--- a/MAD BANK.pptx
+++ b/MAD BANK.pptx
@@ -8,18 +8,19 @@
     <p:sldId id="256" r:id="rId2"/>
     <p:sldId id="257" r:id="rId3"/>
     <p:sldId id="258" r:id="rId4"/>
-    <p:sldId id="259" r:id="rId5"/>
-    <p:sldId id="261" r:id="rId6"/>
-    <p:sldId id="262" r:id="rId7"/>
-    <p:sldId id="263" r:id="rId8"/>
-    <p:sldId id="265" r:id="rId9"/>
-    <p:sldId id="264" r:id="rId10"/>
-    <p:sldId id="268" r:id="rId11"/>
-    <p:sldId id="266" r:id="rId12"/>
-    <p:sldId id="260" r:id="rId13"/>
-    <p:sldId id="267" r:id="rId14"/>
-    <p:sldId id="269" r:id="rId15"/>
-    <p:sldId id="270" r:id="rId16"/>
+    <p:sldId id="271" r:id="rId5"/>
+    <p:sldId id="259" r:id="rId6"/>
+    <p:sldId id="261" r:id="rId7"/>
+    <p:sldId id="262" r:id="rId8"/>
+    <p:sldId id="263" r:id="rId9"/>
+    <p:sldId id="265" r:id="rId10"/>
+    <p:sldId id="264" r:id="rId11"/>
+    <p:sldId id="268" r:id="rId12"/>
+    <p:sldId id="266" r:id="rId13"/>
+    <p:sldId id="260" r:id="rId14"/>
+    <p:sldId id="267" r:id="rId15"/>
+    <p:sldId id="269" r:id="rId16"/>
+    <p:sldId id="270" r:id="rId17"/>
   </p:sldIdLst>
   <p:sldSz cx="12192000" cy="6858000"/>
   <p:notesSz cx="6858000" cy="9144000"/>
@@ -118,6 +119,11 @@
       </a:defRPr>
     </a:lvl9pPr>
   </p:defaultTextStyle>
+  <p:extLst>
+    <p:ext uri="{EFAFB233-063F-42B5-8137-9DF3F51BA10A}">
+      <p15:sldGuideLst xmlns:p15="http://schemas.microsoft.com/office/powerpoint/2012/main"/>
+    </p:ext>
+  </p:extLst>
 </p:presentation>
 </file>
 
@@ -4403,7 +4409,7 @@
           <a:p>
             <a:fld id="{48A87A34-81AB-432B-8DAE-1953F412C126}" type="datetimeFigureOut">
               <a:rPr lang="en-US" dirty="0"/>
-              <a:t>5/3/2019</a:t>
+              <a:t>5/4/2019</a:t>
             </a:fld>
             <a:endParaRPr lang="en-US" dirty="0"/>
           </a:p>
@@ -4665,7 +4671,7 @@
           <a:p>
             <a:fld id="{48A87A34-81AB-432B-8DAE-1953F412C126}" type="datetimeFigureOut">
               <a:rPr lang="en-US" dirty="0"/>
-              <a:t>5/3/2019</a:t>
+              <a:t>5/4/2019</a:t>
             </a:fld>
             <a:endParaRPr lang="en-US" dirty="0"/>
           </a:p>
@@ -4856,7 +4862,7 @@
           <a:p>
             <a:fld id="{48A87A34-81AB-432B-8DAE-1953F412C126}" type="datetimeFigureOut">
               <a:rPr lang="en-US" dirty="0"/>
-              <a:t>5/3/2019</a:t>
+              <a:t>5/4/2019</a:t>
             </a:fld>
             <a:endParaRPr lang="en-US" dirty="0"/>
           </a:p>
@@ -5114,7 +5120,7 @@
           <a:p>
             <a:fld id="{48A87A34-81AB-432B-8DAE-1953F412C126}" type="datetimeFigureOut">
               <a:rPr lang="en-US" dirty="0"/>
-              <a:t>5/3/2019</a:t>
+              <a:t>5/4/2019</a:t>
             </a:fld>
             <a:endParaRPr lang="en-US" dirty="0"/>
           </a:p>
@@ -5543,7 +5549,7 @@
           <a:p>
             <a:fld id="{48A87A34-81AB-432B-8DAE-1953F412C126}" type="datetimeFigureOut">
               <a:rPr lang="en-US" dirty="0"/>
-              <a:t>5/3/2019</a:t>
+              <a:t>5/4/2019</a:t>
             </a:fld>
             <a:endParaRPr lang="en-US" dirty="0"/>
           </a:p>
@@ -6084,7 +6090,7 @@
           <a:p>
             <a:fld id="{48A87A34-81AB-432B-8DAE-1953F412C126}" type="datetimeFigureOut">
               <a:rPr lang="en-US" dirty="0"/>
-              <a:t>5/3/2019</a:t>
+              <a:t>5/4/2019</a:t>
             </a:fld>
             <a:endParaRPr lang="en-US" dirty="0"/>
           </a:p>
@@ -6799,7 +6805,7 @@
           <a:p>
             <a:fld id="{48A87A34-81AB-432B-8DAE-1953F412C126}" type="datetimeFigureOut">
               <a:rPr lang="en-US" dirty="0"/>
-              <a:t>5/3/2019</a:t>
+              <a:t>5/4/2019</a:t>
             </a:fld>
             <a:endParaRPr lang="en-US" dirty="0"/>
           </a:p>
@@ -6964,7 +6970,7 @@
           <a:p>
             <a:fld id="{48A87A34-81AB-432B-8DAE-1953F412C126}" type="datetimeFigureOut">
               <a:rPr lang="en-US" dirty="0"/>
-              <a:t>5/3/2019</a:t>
+              <a:t>5/4/2019</a:t>
             </a:fld>
             <a:endParaRPr lang="en-US" dirty="0"/>
           </a:p>
@@ -7139,7 +7145,7 @@
           <a:p>
             <a:fld id="{48A87A34-81AB-432B-8DAE-1953F412C126}" type="datetimeFigureOut">
               <a:rPr lang="en-US" dirty="0"/>
-              <a:t>5/3/2019</a:t>
+              <a:t>5/4/2019</a:t>
             </a:fld>
             <a:endParaRPr lang="en-US" dirty="0"/>
           </a:p>
@@ -7304,7 +7310,7 @@
           <a:p>
             <a:fld id="{48A87A34-81AB-432B-8DAE-1953F412C126}" type="datetimeFigureOut">
               <a:rPr lang="en-US" dirty="0"/>
-              <a:t>5/3/2019</a:t>
+              <a:t>5/4/2019</a:t>
             </a:fld>
             <a:endParaRPr lang="en-US" dirty="0"/>
           </a:p>
@@ -7549,7 +7555,7 @@
           <a:p>
             <a:fld id="{48A87A34-81AB-432B-8DAE-1953F412C126}" type="datetimeFigureOut">
               <a:rPr lang="en-US" dirty="0"/>
-              <a:t>5/3/2019</a:t>
+              <a:t>5/4/2019</a:t>
             </a:fld>
             <a:endParaRPr lang="en-US" dirty="0"/>
           </a:p>
@@ -7776,7 +7782,7 @@
           <a:p>
             <a:fld id="{48A87A34-81AB-432B-8DAE-1953F412C126}" type="datetimeFigureOut">
               <a:rPr lang="en-US" dirty="0"/>
-              <a:t>5/3/2019</a:t>
+              <a:t>5/4/2019</a:t>
             </a:fld>
             <a:endParaRPr lang="en-US" dirty="0"/>
           </a:p>
@@ -8152,7 +8158,7 @@
           <a:p>
             <a:fld id="{48A87A34-81AB-432B-8DAE-1953F412C126}" type="datetimeFigureOut">
               <a:rPr lang="en-US" dirty="0"/>
-              <a:t>5/3/2019</a:t>
+              <a:t>5/4/2019</a:t>
             </a:fld>
             <a:endParaRPr lang="en-US" dirty="0"/>
           </a:p>
@@ -8265,7 +8271,7 @@
           <a:p>
             <a:fld id="{48A87A34-81AB-432B-8DAE-1953F412C126}" type="datetimeFigureOut">
               <a:rPr lang="en-US" dirty="0"/>
-              <a:t>5/3/2019</a:t>
+              <a:t>5/4/2019</a:t>
             </a:fld>
             <a:endParaRPr lang="en-US" dirty="0"/>
           </a:p>
@@ -8355,7 +8361,7 @@
           <a:p>
             <a:fld id="{48A87A34-81AB-432B-8DAE-1953F412C126}" type="datetimeFigureOut">
               <a:rPr lang="en-US" dirty="0"/>
-              <a:t>5/3/2019</a:t>
+              <a:t>5/4/2019</a:t>
             </a:fld>
             <a:endParaRPr lang="en-US" dirty="0"/>
           </a:p>
@@ -8599,7 +8605,7 @@
           <a:p>
             <a:fld id="{48A87A34-81AB-432B-8DAE-1953F412C126}" type="datetimeFigureOut">
               <a:rPr lang="en-US" dirty="0"/>
-              <a:t>5/3/2019</a:t>
+              <a:t>5/4/2019</a:t>
             </a:fld>
             <a:endParaRPr lang="en-US" dirty="0"/>
           </a:p>
@@ -8874,7 +8880,7 @@
           <a:p>
             <a:fld id="{48A87A34-81AB-432B-8DAE-1953F412C126}" type="datetimeFigureOut">
               <a:rPr lang="en-US" dirty="0"/>
-              <a:t>5/3/2019</a:t>
+              <a:t>5/4/2019</a:t>
             </a:fld>
             <a:endParaRPr lang="en-US" dirty="0"/>
           </a:p>
@@ -11937,7 +11943,7 @@
             <a:fld id="{48A87A34-81AB-432B-8DAE-1953F412C126}" type="datetimeFigureOut">
               <a:rPr lang="en-US" dirty="0"/>
               <a:pPr/>
-              <a:t>5/3/2019</a:t>
+              <a:t>5/4/2019</a:t>
             </a:fld>
             <a:endParaRPr lang="en-US" dirty="0"/>
           </a:p>
@@ -12490,6 +12496,130 @@
           <p:cNvPr id="2" name="Title 1">
             <a:extLst>
               <a:ext uri="{FF2B5EF4-FFF2-40B4-BE49-F238E27FC236}">
+                <a16:creationId xmlns:a16="http://schemas.microsoft.com/office/drawing/2014/main" id="{402086D8-E465-456B-8A24-8948BB54BC54}"/>
+              </a:ext>
+            </a:extLst>
+          </p:cNvPr>
+          <p:cNvSpPr>
+            <a:spLocks noGrp="1"/>
+          </p:cNvSpPr>
+          <p:nvPr>
+            <p:ph type="title"/>
+          </p:nvPr>
+        </p:nvSpPr>
+        <p:spPr/>
+        <p:txBody>
+          <a:bodyPr/>
+          <a:lstStyle/>
+          <a:p>
+            <a:r>
+              <a:rPr lang="en-US" dirty="0"/>
+              <a:t>help page</a:t>
+            </a:r>
+            <a:endParaRPr lang="en-IN" dirty="0"/>
+          </a:p>
+        </p:txBody>
+      </p:sp>
+      <p:sp>
+        <p:nvSpPr>
+          <p:cNvPr id="8" name="Content Placeholder 7">
+            <a:extLst>
+              <a:ext uri="{FF2B5EF4-FFF2-40B4-BE49-F238E27FC236}">
+                <a16:creationId xmlns:a16="http://schemas.microsoft.com/office/drawing/2014/main" id="{5430CA95-37DC-40DE-9304-7A9CC9A06253}"/>
+              </a:ext>
+            </a:extLst>
+          </p:cNvPr>
+          <p:cNvSpPr>
+            <a:spLocks noGrp="1"/>
+          </p:cNvSpPr>
+          <p:nvPr>
+            <p:ph sz="quarter" idx="4"/>
+          </p:nvPr>
+        </p:nvSpPr>
+        <p:spPr>
+          <a:xfrm>
+            <a:off x="517124" y="2043112"/>
+            <a:ext cx="4875210" cy="2717801"/>
+          </a:xfrm>
+        </p:spPr>
+        <p:txBody>
+          <a:bodyPr>
+            <a:normAutofit/>
+          </a:bodyPr>
+          <a:lstStyle/>
+          <a:p>
+            <a:r>
+              <a:rPr lang="en-US" dirty="0"/>
+              <a:t>In this screen the user can view the frequently asked questions on the app and can also contact customer support for additional help.</a:t>
+            </a:r>
+            <a:endParaRPr lang="en-IN" dirty="0"/>
+          </a:p>
+        </p:txBody>
+      </p:sp>
+      <p:pic>
+        <p:nvPicPr>
+          <p:cNvPr id="6" name="Content Placeholder 5">
+            <a:extLst>
+              <a:ext uri="{FF2B5EF4-FFF2-40B4-BE49-F238E27FC236}">
+                <a16:creationId xmlns:a16="http://schemas.microsoft.com/office/drawing/2014/main" id="{8123B21C-3320-4095-BAC9-CB164EE60E55}"/>
+              </a:ext>
+            </a:extLst>
+          </p:cNvPr>
+          <p:cNvPicPr>
+            <a:picLocks noGrp="1" noChangeAspect="1"/>
+          </p:cNvPicPr>
+          <p:nvPr>
+            <p:ph sz="half" idx="2"/>
+          </p:nvPr>
+        </p:nvPicPr>
+        <p:blipFill>
+          <a:blip r:embed="rId2"/>
+          <a:stretch>
+            <a:fillRect/>
+          </a:stretch>
+        </p:blipFill>
+        <p:spPr>
+          <a:xfrm>
+            <a:off x="6610531" y="0"/>
+            <a:ext cx="4179428" cy="6858000"/>
+          </a:xfrm>
+        </p:spPr>
+      </p:pic>
+    </p:spTree>
+    <p:extLst>
+      <p:ext uri="{BB962C8B-B14F-4D97-AF65-F5344CB8AC3E}">
+        <p14:creationId xmlns:p14="http://schemas.microsoft.com/office/powerpoint/2010/main" val="3295353869"/>
+      </p:ext>
+    </p:extLst>
+  </p:cSld>
+  <p:clrMapOvr>
+    <a:masterClrMapping/>
+  </p:clrMapOvr>
+</p:sld>
+</file>
+
+<file path=ppt/slides/slide11.xml><?xml version="1.0" encoding="utf-8"?>
+<p:sld xmlns:a="http://schemas.openxmlformats.org/drawingml/2006/main" xmlns:r="http://schemas.openxmlformats.org/officeDocument/2006/relationships" xmlns:p="http://schemas.openxmlformats.org/presentationml/2006/main">
+  <p:cSld>
+    <p:spTree>
+      <p:nvGrpSpPr>
+        <p:cNvPr id="1" name=""/>
+        <p:cNvGrpSpPr/>
+        <p:nvPr/>
+      </p:nvGrpSpPr>
+      <p:grpSpPr>
+        <a:xfrm>
+          <a:off x="0" y="0"/>
+          <a:ext cx="0" cy="0"/>
+          <a:chOff x="0" y="0"/>
+          <a:chExt cx="0" cy="0"/>
+        </a:xfrm>
+      </p:grpSpPr>
+      <p:sp>
+        <p:nvSpPr>
+          <p:cNvPr id="2" name="Title 1">
+            <a:extLst>
+              <a:ext uri="{FF2B5EF4-FFF2-40B4-BE49-F238E27FC236}">
                 <a16:creationId xmlns:a16="http://schemas.microsoft.com/office/drawing/2014/main" id="{D1A5157B-131E-4914-9F96-CCEB54DFD7E0}"/>
               </a:ext>
             </a:extLst>
@@ -12503,7 +12633,7 @@
         </p:nvSpPr>
         <p:spPr>
           <a:xfrm>
-            <a:off x="1143001" y="2953345"/>
+            <a:off x="1143001" y="2689715"/>
             <a:ext cx="9905998" cy="1478570"/>
           </a:xfrm>
         </p:spPr>
@@ -12511,6 +12641,7 @@
           <a:bodyPr/>
           <a:lstStyle/>
           <a:p>
+            <a:pPr algn="ctr"/>
             <a:r>
               <a:rPr lang="en-US" dirty="0"/>
               <a:t>Examples of Low </a:t>
@@ -12540,7 +12671,7 @@
 </p:sld>
 </file>
 
-<file path=ppt/slides/slide11.xml><?xml version="1.0" encoding="utf-8"?>
+<file path=ppt/slides/slide12.xml><?xml version="1.0" encoding="utf-8"?>
 <p:sld xmlns:a="http://schemas.openxmlformats.org/drawingml/2006/main" xmlns:r="http://schemas.openxmlformats.org/officeDocument/2006/relationships" xmlns:p="http://schemas.openxmlformats.org/presentationml/2006/main">
   <p:cSld>
     <p:spTree>
@@ -12701,7 +12832,7 @@
 </p:sld>
 </file>
 
-<file path=ppt/slides/slide12.xml><?xml version="1.0" encoding="utf-8"?>
+<file path=ppt/slides/slide13.xml><?xml version="1.0" encoding="utf-8"?>
 <p:sld xmlns:a="http://schemas.openxmlformats.org/drawingml/2006/main" xmlns:r="http://schemas.openxmlformats.org/officeDocument/2006/relationships" xmlns:p="http://schemas.openxmlformats.org/presentationml/2006/main">
   <p:cSld>
     <p:spTree>
@@ -12828,7 +12959,7 @@
         </p:nvSpPr>
         <p:spPr>
           <a:xfrm>
-            <a:off x="6120415" y="3955235"/>
+            <a:off x="6265174" y="3955235"/>
             <a:ext cx="439544" cy="369332"/>
           </a:xfrm>
           <a:prstGeom prst="rect">
@@ -12862,7 +12993,7 @@
 </p:sld>
 </file>
 
-<file path=ppt/slides/slide13.xml><?xml version="1.0" encoding="utf-8"?>
+<file path=ppt/slides/slide14.xml><?xml version="1.0" encoding="utf-8"?>
 <p:sld xmlns:a="http://schemas.openxmlformats.org/drawingml/2006/main" xmlns:r="http://schemas.openxmlformats.org/officeDocument/2006/relationships" xmlns:p="http://schemas.openxmlformats.org/presentationml/2006/main">
   <p:cSld>
     <p:spTree>
@@ -13023,7 +13154,7 @@
 </p:sld>
 </file>
 
-<file path=ppt/slides/slide14.xml><?xml version="1.0" encoding="utf-8"?>
+<file path=ppt/slides/slide15.xml><?xml version="1.0" encoding="utf-8"?>
 <p:sld xmlns:a="http://schemas.openxmlformats.org/drawingml/2006/main" xmlns:r="http://schemas.openxmlformats.org/officeDocument/2006/relationships" xmlns:p="http://schemas.openxmlformats.org/presentationml/2006/main">
   <p:cSld>
     <p:spTree>
@@ -13088,7 +13219,7 @@
 </p:sld>
 </file>
 
-<file path=ppt/slides/slide15.xml><?xml version="1.0" encoding="utf-8"?>
+<file path=ppt/slides/slide16.xml><?xml version="1.0" encoding="utf-8"?>
 <p:sld xmlns:a="http://schemas.openxmlformats.org/drawingml/2006/main" xmlns:r="http://schemas.openxmlformats.org/officeDocument/2006/relationships" xmlns:p="http://schemas.openxmlformats.org/presentationml/2006/main">
   <p:cSld>
     <p:spTree>
@@ -13240,7 +13371,7 @@
           <a:p>
             <a:r>
               <a:rPr lang="en-US" dirty="0"/>
-              <a:t>By creating a banking application we can simplify the banking experience.</a:t>
+              <a:t>By creating a bank application we are simplifying the banking experience of a user.</a:t>
             </a:r>
             <a:endParaRPr lang="en-IN" dirty="0"/>
           </a:p>
@@ -13330,7 +13461,7 @@
           <a:p>
             <a:r>
               <a:rPr lang="en-US" dirty="0"/>
-              <a:t>It provides remote access to financial transactions using a mobile device such as smart phones or a tablet. Simplifying the user experience.</a:t>
+              <a:t>It provides remote access to financial transactions using mobile devices such as smart phone or a tablet. </a:t>
             </a:r>
           </a:p>
           <a:p>
@@ -13361,6 +13492,71 @@
 </file>
 
 <file path=ppt/slides/slide4.xml><?xml version="1.0" encoding="utf-8"?>
+<p:sld xmlns:a="http://schemas.openxmlformats.org/drawingml/2006/main" xmlns:r="http://schemas.openxmlformats.org/officeDocument/2006/relationships" xmlns:p="http://schemas.openxmlformats.org/presentationml/2006/main">
+  <p:cSld>
+    <p:spTree>
+      <p:nvGrpSpPr>
+        <p:cNvPr id="1" name=""/>
+        <p:cNvGrpSpPr/>
+        <p:nvPr/>
+      </p:nvGrpSpPr>
+      <p:grpSpPr>
+        <a:xfrm>
+          <a:off x="0" y="0"/>
+          <a:ext cx="0" cy="0"/>
+          <a:chOff x="0" y="0"/>
+          <a:chExt cx="0" cy="0"/>
+        </a:xfrm>
+      </p:grpSpPr>
+      <p:sp>
+        <p:nvSpPr>
+          <p:cNvPr id="2" name="Title 1">
+            <a:extLst>
+              <a:ext uri="{FF2B5EF4-FFF2-40B4-BE49-F238E27FC236}">
+                <a16:creationId xmlns:a16="http://schemas.microsoft.com/office/drawing/2014/main" id="{E4492880-3B8A-4F2A-A566-88C68E5EBC94}"/>
+              </a:ext>
+            </a:extLst>
+          </p:cNvPr>
+          <p:cNvSpPr>
+            <a:spLocks noGrp="1"/>
+          </p:cNvSpPr>
+          <p:nvPr>
+            <p:ph type="title"/>
+          </p:nvPr>
+        </p:nvSpPr>
+        <p:spPr>
+          <a:xfrm>
+            <a:off x="1143001" y="2689715"/>
+            <a:ext cx="9905998" cy="1478570"/>
+          </a:xfrm>
+        </p:spPr>
+        <p:txBody>
+          <a:bodyPr/>
+          <a:lstStyle/>
+          <a:p>
+            <a:pPr algn="ctr"/>
+            <a:r>
+              <a:rPr lang="en-US" dirty="0"/>
+              <a:t>some Features of the application</a:t>
+            </a:r>
+            <a:endParaRPr lang="en-IN" dirty="0"/>
+          </a:p>
+        </p:txBody>
+      </p:sp>
+    </p:spTree>
+    <p:extLst>
+      <p:ext uri="{BB962C8B-B14F-4D97-AF65-F5344CB8AC3E}">
+        <p14:creationId xmlns:p14="http://schemas.microsoft.com/office/powerpoint/2010/main" val="2725847029"/>
+      </p:ext>
+    </p:extLst>
+  </p:cSld>
+  <p:clrMapOvr>
+    <a:masterClrMapping/>
+  </p:clrMapOvr>
+</p:sld>
+</file>
+
+<file path=ppt/slides/slide5.xml><?xml version="1.0" encoding="utf-8"?>
 <p:sld xmlns:a="http://schemas.openxmlformats.org/drawingml/2006/main" xmlns:r="http://schemas.openxmlformats.org/officeDocument/2006/relationships" xmlns:p="http://schemas.openxmlformats.org/presentationml/2006/main">
   <p:cSld>
     <p:spTree>
@@ -13501,7 +13697,7 @@
 </p:sld>
 </file>
 
-<file path=ppt/slides/slide5.xml><?xml version="1.0" encoding="utf-8"?>
+<file path=ppt/slides/slide6.xml><?xml version="1.0" encoding="utf-8"?>
 <p:sld xmlns:a="http://schemas.openxmlformats.org/drawingml/2006/main" xmlns:r="http://schemas.openxmlformats.org/officeDocument/2006/relationships" xmlns:p="http://schemas.openxmlformats.org/presentationml/2006/main">
   <p:cSld>
     <p:spTree>
@@ -13594,8 +13790,8 @@
         </p:nvSpPr>
         <p:spPr>
           <a:xfrm>
-            <a:off x="517124" y="2043112"/>
-            <a:ext cx="4875210" cy="2717801"/>
+            <a:off x="668044" y="1963213"/>
+            <a:ext cx="5129074" cy="3771762"/>
           </a:xfrm>
         </p:spPr>
         <p:txBody>
@@ -13612,7 +13808,13 @@
           <a:p>
             <a:r>
               <a:rPr lang="en-US" dirty="0"/>
-              <a:t>The user can also view their expenses by checking their statements.</a:t>
+              <a:t>The user can keep track of their expenses by checking their statements.</a:t>
+            </a:r>
+          </a:p>
+          <a:p>
+            <a:r>
+              <a:rPr lang="en-US" dirty="0"/>
+              <a:t>And can also make bill payments.</a:t>
             </a:r>
             <a:endParaRPr lang="en-IN" dirty="0"/>
           </a:p>
@@ -13622,136 +13824,6 @@
     <p:extLst>
       <p:ext uri="{BB962C8B-B14F-4D97-AF65-F5344CB8AC3E}">
         <p14:creationId xmlns:p14="http://schemas.microsoft.com/office/powerpoint/2010/main" val="2166759403"/>
-      </p:ext>
-    </p:extLst>
-  </p:cSld>
-  <p:clrMapOvr>
-    <a:masterClrMapping/>
-  </p:clrMapOvr>
-</p:sld>
-</file>
-
-<file path=ppt/slides/slide6.xml><?xml version="1.0" encoding="utf-8"?>
-<p:sld xmlns:a="http://schemas.openxmlformats.org/drawingml/2006/main" xmlns:r="http://schemas.openxmlformats.org/officeDocument/2006/relationships" xmlns:p="http://schemas.openxmlformats.org/presentationml/2006/main">
-  <p:cSld>
-    <p:spTree>
-      <p:nvGrpSpPr>
-        <p:cNvPr id="1" name=""/>
-        <p:cNvGrpSpPr/>
-        <p:nvPr/>
-      </p:nvGrpSpPr>
-      <p:grpSpPr>
-        <a:xfrm>
-          <a:off x="0" y="0"/>
-          <a:ext cx="0" cy="0"/>
-          <a:chOff x="0" y="0"/>
-          <a:chExt cx="0" cy="0"/>
-        </a:xfrm>
-      </p:grpSpPr>
-      <p:sp>
-        <p:nvSpPr>
-          <p:cNvPr id="2" name="Title 1">
-            <a:extLst>
-              <a:ext uri="{FF2B5EF4-FFF2-40B4-BE49-F238E27FC236}">
-                <a16:creationId xmlns:a16="http://schemas.microsoft.com/office/drawing/2014/main" id="{402086D8-E465-456B-8A24-8948BB54BC54}"/>
-              </a:ext>
-            </a:extLst>
-          </p:cNvPr>
-          <p:cNvSpPr>
-            <a:spLocks noGrp="1"/>
-          </p:cNvSpPr>
-          <p:nvPr>
-            <p:ph type="title"/>
-          </p:nvPr>
-        </p:nvSpPr>
-        <p:spPr/>
-        <p:txBody>
-          <a:bodyPr/>
-          <a:lstStyle/>
-          <a:p>
-            <a:r>
-              <a:rPr lang="en-US" dirty="0"/>
-              <a:t>Settings page</a:t>
-            </a:r>
-            <a:endParaRPr lang="en-IN" dirty="0"/>
-          </a:p>
-        </p:txBody>
-      </p:sp>
-      <p:sp>
-        <p:nvSpPr>
-          <p:cNvPr id="8" name="Content Placeholder 7">
-            <a:extLst>
-              <a:ext uri="{FF2B5EF4-FFF2-40B4-BE49-F238E27FC236}">
-                <a16:creationId xmlns:a16="http://schemas.microsoft.com/office/drawing/2014/main" id="{5430CA95-37DC-40DE-9304-7A9CC9A06253}"/>
-              </a:ext>
-            </a:extLst>
-          </p:cNvPr>
-          <p:cNvSpPr>
-            <a:spLocks noGrp="1"/>
-          </p:cNvSpPr>
-          <p:nvPr>
-            <p:ph sz="quarter" idx="4"/>
-          </p:nvPr>
-        </p:nvSpPr>
-        <p:spPr>
-          <a:xfrm>
-            <a:off x="517124" y="2043112"/>
-            <a:ext cx="5182340" cy="4473098"/>
-          </a:xfrm>
-        </p:spPr>
-        <p:txBody>
-          <a:bodyPr>
-            <a:normAutofit/>
-          </a:bodyPr>
-          <a:lstStyle/>
-          <a:p>
-            <a:r>
-              <a:rPr lang="en-US" dirty="0"/>
-              <a:t>In the settings screen the user can change their password, and can also add additional security to their account by enabling 2-step verification.</a:t>
-            </a:r>
-          </a:p>
-          <a:p>
-            <a:r>
-              <a:rPr lang="en-US" dirty="0"/>
-              <a:t>User can also edit the security questions and their personal info.</a:t>
-            </a:r>
-            <a:endParaRPr lang="en-IN" dirty="0"/>
-          </a:p>
-        </p:txBody>
-      </p:sp>
-      <p:pic>
-        <p:nvPicPr>
-          <p:cNvPr id="12" name="Content Placeholder 11">
-            <a:extLst>
-              <a:ext uri="{FF2B5EF4-FFF2-40B4-BE49-F238E27FC236}">
-                <a16:creationId xmlns:a16="http://schemas.microsoft.com/office/drawing/2014/main" id="{99A1B97C-175F-444C-9F31-63EF0FDD69A3}"/>
-              </a:ext>
-            </a:extLst>
-          </p:cNvPr>
-          <p:cNvPicPr>
-            <a:picLocks noGrp="1" noChangeAspect="1"/>
-          </p:cNvPicPr>
-          <p:nvPr>
-            <p:ph sz="half" idx="2"/>
-          </p:nvPr>
-        </p:nvPicPr>
-        <p:blipFill>
-          <a:blip r:embed="rId2"/>
-          <a:stretch>
-            <a:fillRect/>
-          </a:stretch>
-        </p:blipFill>
-        <p:spPr>
-          <a:xfrm>
-            <a:off x="6186686" y="0"/>
-            <a:ext cx="4638153" cy="6858000"/>
-          </a:xfrm>
-        </p:spPr>
-      </p:pic>
-    </p:spTree>
-    <p:extLst>
-      <p:ext uri="{BB962C8B-B14F-4D97-AF65-F5344CB8AC3E}">
-        <p14:creationId xmlns:p14="http://schemas.microsoft.com/office/powerpoint/2010/main" val="463556976"/>
       </p:ext>
     </p:extLst>
   </p:cSld>
@@ -13801,7 +13873,7 @@
           <a:p>
             <a:r>
               <a:rPr lang="en-US" dirty="0"/>
-              <a:t>Interac page</a:t>
+              <a:t>Settings page</a:t>
             </a:r>
             <a:endParaRPr lang="en-IN" dirty="0"/>
           </a:p>
@@ -13826,24 +13898,24 @@
         <p:spPr>
           <a:xfrm>
             <a:off x="517124" y="2043112"/>
-            <a:ext cx="4875210" cy="2717801"/>
+            <a:ext cx="5182340" cy="4473098"/>
           </a:xfrm>
         </p:spPr>
         <p:txBody>
           <a:bodyPr>
-            <a:normAutofit lnSpcReduction="10000"/>
+            <a:normAutofit/>
           </a:bodyPr>
           <a:lstStyle/>
           <a:p>
             <a:r>
               <a:rPr lang="en-US" dirty="0"/>
-              <a:t>In this screen the user has the option to send and request money.</a:t>
+              <a:t>In the settings screen the user can change their password, and can also add additional security to their account by enabling 2-step verification.</a:t>
             </a:r>
           </a:p>
           <a:p>
             <a:r>
               <a:rPr lang="en-US" dirty="0"/>
-              <a:t>Here the user can also manage their auto-deposit settings and can manage their pending transfers and requests.</a:t>
+              <a:t>User can also edit the security questions and their personal info.</a:t>
             </a:r>
             <a:endParaRPr lang="en-IN" dirty="0"/>
           </a:p>
@@ -13851,10 +13923,10 @@
       </p:sp>
       <p:pic>
         <p:nvPicPr>
-          <p:cNvPr id="6" name="Content Placeholder 5">
+          <p:cNvPr id="12" name="Content Placeholder 11">
             <a:extLst>
               <a:ext uri="{FF2B5EF4-FFF2-40B4-BE49-F238E27FC236}">
-                <a16:creationId xmlns:a16="http://schemas.microsoft.com/office/drawing/2014/main" id="{3E1CAFF1-76BC-4C19-BAD2-1BD401E13429}"/>
+                <a16:creationId xmlns:a16="http://schemas.microsoft.com/office/drawing/2014/main" id="{99A1B97C-175F-444C-9F31-63EF0FDD69A3}"/>
               </a:ext>
             </a:extLst>
           </p:cNvPr>
@@ -13873,15 +13945,15 @@
         </p:blipFill>
         <p:spPr>
           <a:xfrm>
-            <a:off x="6016621" y="2219"/>
-            <a:ext cx="4661537" cy="6858794"/>
+            <a:off x="6186686" y="0"/>
+            <a:ext cx="4638153" cy="6858000"/>
           </a:xfrm>
         </p:spPr>
       </p:pic>
     </p:spTree>
     <p:extLst>
       <p:ext uri="{BB962C8B-B14F-4D97-AF65-F5344CB8AC3E}">
-        <p14:creationId xmlns:p14="http://schemas.microsoft.com/office/powerpoint/2010/main" val="45428178"/>
+        <p14:creationId xmlns:p14="http://schemas.microsoft.com/office/powerpoint/2010/main" val="463556976"/>
       </p:ext>
     </p:extLst>
   </p:cSld>
@@ -13931,7 +14003,7 @@
           <a:p>
             <a:r>
               <a:rPr lang="en-US" dirty="0"/>
-              <a:t>transfers page</a:t>
+              <a:t>Interac page</a:t>
             </a:r>
             <a:endParaRPr lang="en-IN" dirty="0"/>
           </a:p>
@@ -13967,13 +14039,13 @@
           <a:p>
             <a:r>
               <a:rPr lang="en-US" dirty="0"/>
-              <a:t>In this screen the user can transfer amount for bill payments.</a:t>
+              <a:t>In this screen the user has the option to send and request money.</a:t>
             </a:r>
           </a:p>
           <a:p>
             <a:r>
               <a:rPr lang="en-US" dirty="0"/>
-              <a:t>Here the user is given the flexibility to select the account from which the amount will be transferred.</a:t>
+              <a:t>Here the user can also manage their auto-deposit settings and their pending transfers and requests.</a:t>
             </a:r>
             <a:endParaRPr lang="en-IN" dirty="0"/>
           </a:p>
@@ -13984,7 +14056,7 @@
           <p:cNvPr id="6" name="Content Placeholder 5">
             <a:extLst>
               <a:ext uri="{FF2B5EF4-FFF2-40B4-BE49-F238E27FC236}">
-                <a16:creationId xmlns:a16="http://schemas.microsoft.com/office/drawing/2014/main" id="{2F9EDF72-1B0E-4671-B07D-8618BF5EEEDE}"/>
+                <a16:creationId xmlns:a16="http://schemas.microsoft.com/office/drawing/2014/main" id="{3E1CAFF1-76BC-4C19-BAD2-1BD401E13429}"/>
               </a:ext>
             </a:extLst>
           </p:cNvPr>
@@ -14003,15 +14075,15 @@
         </p:blipFill>
         <p:spPr>
           <a:xfrm>
-            <a:off x="6454067" y="0"/>
-            <a:ext cx="4273118" cy="6858093"/>
+            <a:off x="6016621" y="2219"/>
+            <a:ext cx="4661537" cy="6858794"/>
           </a:xfrm>
         </p:spPr>
       </p:pic>
     </p:spTree>
     <p:extLst>
       <p:ext uri="{BB962C8B-B14F-4D97-AF65-F5344CB8AC3E}">
-        <p14:creationId xmlns:p14="http://schemas.microsoft.com/office/powerpoint/2010/main" val="2825892613"/>
+        <p14:creationId xmlns:p14="http://schemas.microsoft.com/office/powerpoint/2010/main" val="45428178"/>
       </p:ext>
     </p:extLst>
   </p:cSld>
@@ -14061,7 +14133,7 @@
           <a:p>
             <a:r>
               <a:rPr lang="en-US" dirty="0"/>
-              <a:t>help page</a:t>
+              <a:t>transfers page</a:t>
             </a:r>
             <a:endParaRPr lang="en-IN" dirty="0"/>
           </a:p>
@@ -14091,13 +14163,19 @@
         </p:spPr>
         <p:txBody>
           <a:bodyPr>
-            <a:normAutofit/>
+            <a:normAutofit fontScale="92500" lnSpcReduction="20000"/>
           </a:bodyPr>
           <a:lstStyle/>
           <a:p>
             <a:r>
               <a:rPr lang="en-US" dirty="0"/>
-              <a:t>In this screen the user can view the frequently asked questions on the app and can also contact customer support for additional help.</a:t>
+              <a:t>In this screen the user can transfer money for bill payments, or from one account to another(i.e. from savings to chequing and vice versa ).</a:t>
+            </a:r>
+          </a:p>
+          <a:p>
+            <a:r>
+              <a:rPr lang="en-US" dirty="0"/>
+              <a:t>Here the user is given the flexibility to select the account from which the amount will be transferred.</a:t>
             </a:r>
             <a:endParaRPr lang="en-IN" dirty="0"/>
           </a:p>
@@ -14108,7 +14186,7 @@
           <p:cNvPr id="6" name="Content Placeholder 5">
             <a:extLst>
               <a:ext uri="{FF2B5EF4-FFF2-40B4-BE49-F238E27FC236}">
-                <a16:creationId xmlns:a16="http://schemas.microsoft.com/office/drawing/2014/main" id="{8123B21C-3320-4095-BAC9-CB164EE60E55}"/>
+                <a16:creationId xmlns:a16="http://schemas.microsoft.com/office/drawing/2014/main" id="{2F9EDF72-1B0E-4671-B07D-8618BF5EEEDE}"/>
               </a:ext>
             </a:extLst>
           </p:cNvPr>
@@ -14127,15 +14205,15 @@
         </p:blipFill>
         <p:spPr>
           <a:xfrm>
-            <a:off x="6610531" y="0"/>
-            <a:ext cx="4179428" cy="6858000"/>
+            <a:off x="6454067" y="0"/>
+            <a:ext cx="4273118" cy="6858093"/>
           </a:xfrm>
         </p:spPr>
       </p:pic>
     </p:spTree>
     <p:extLst>
       <p:ext uri="{BB962C8B-B14F-4D97-AF65-F5344CB8AC3E}">
-        <p14:creationId xmlns:p14="http://schemas.microsoft.com/office/powerpoint/2010/main" val="3295353869"/>
+        <p14:creationId xmlns:p14="http://schemas.microsoft.com/office/powerpoint/2010/main" val="2825892613"/>
       </p:ext>
     </p:extLst>
   </p:cSld>

--- a/MAD BANK.pptx
+++ b/MAD BANK.pptx
@@ -184,7 +184,7 @@
           <a:noFill/>
           <a:extLst>
             <a:ext uri="{909E8E84-426E-40dd-AFC4-6F175D3DCCD1}">
-              <a14:hiddenFill xmlns:a14="http://schemas.microsoft.com/office/drawing/2010/main" xmlns="">
+              <a14:hiddenFill xmlns="" xmlns:a14="http://schemas.microsoft.com/office/drawing/2010/main">
                 <a:solidFill>
                   <a:srgbClr val="FFFFFF"/>
                 </a:solidFill>
@@ -243,7 +243,7 @@
             </a:ln>
             <a:extLst>
               <a:ext uri="{91240B29-F687-4f45-9708-019B960494DF}">
-                <a14:hiddenLine xmlns:a14="http://schemas.microsoft.com/office/drawing/2010/main" xmlns="" w="9525">
+                <a14:hiddenLine xmlns="" xmlns:a14="http://schemas.microsoft.com/office/drawing/2010/main" w="9525">
                   <a:solidFill>
                     <a:srgbClr val="000000"/>
                   </a:solidFill>
@@ -333,7 +333,7 @@
             </a:ln>
             <a:extLst>
               <a:ext uri="{91240B29-F687-4f45-9708-019B960494DF}">
-                <a14:hiddenLine xmlns:a14="http://schemas.microsoft.com/office/drawing/2010/main" xmlns="" w="9525">
+                <a14:hiddenLine xmlns="" xmlns:a14="http://schemas.microsoft.com/office/drawing/2010/main" w="9525">
                   <a:solidFill>
                     <a:srgbClr val="000000"/>
                   </a:solidFill>
@@ -423,7 +423,7 @@
             </a:ln>
             <a:extLst>
               <a:ext uri="{91240B29-F687-4f45-9708-019B960494DF}">
-                <a14:hiddenLine xmlns:a14="http://schemas.microsoft.com/office/drawing/2010/main" xmlns="" w="9525">
+                <a14:hiddenLine xmlns="" xmlns:a14="http://schemas.microsoft.com/office/drawing/2010/main" w="9525">
                   <a:solidFill>
                     <a:srgbClr val="000000"/>
                   </a:solidFill>
@@ -457,7 +457,7 @@
             </a:ln>
             <a:extLst>
               <a:ext uri="{91240B29-F687-4f45-9708-019B960494DF}">
-                <a14:hiddenLine xmlns:a14="http://schemas.microsoft.com/office/drawing/2010/main" xmlns="" w="9525">
+                <a14:hiddenLine xmlns="" xmlns:a14="http://schemas.microsoft.com/office/drawing/2010/main" w="9525">
                   <a:solidFill>
                     <a:srgbClr val="000000"/>
                   </a:solidFill>
@@ -547,7 +547,7 @@
             </a:ln>
             <a:extLst>
               <a:ext uri="{91240B29-F687-4f45-9708-019B960494DF}">
-                <a14:hiddenLine xmlns:a14="http://schemas.microsoft.com/office/drawing/2010/main" xmlns="" w="9525">
+                <a14:hiddenLine xmlns="" xmlns:a14="http://schemas.microsoft.com/office/drawing/2010/main" w="9525">
                   <a:solidFill>
                     <a:srgbClr val="000000"/>
                   </a:solidFill>
@@ -609,7 +609,7 @@
             </a:ln>
             <a:extLst>
               <a:ext uri="{91240B29-F687-4f45-9708-019B960494DF}">
-                <a14:hiddenLine xmlns:a14="http://schemas.microsoft.com/office/drawing/2010/main" xmlns="" w="9525">
+                <a14:hiddenLine xmlns="" xmlns:a14="http://schemas.microsoft.com/office/drawing/2010/main" w="9525">
                   <a:solidFill>
                     <a:srgbClr val="000000"/>
                   </a:solidFill>
@@ -671,7 +671,7 @@
             </a:ln>
             <a:extLst>
               <a:ext uri="{91240B29-F687-4f45-9708-019B960494DF}">
-                <a14:hiddenLine xmlns:a14="http://schemas.microsoft.com/office/drawing/2010/main" xmlns="" w="9525">
+                <a14:hiddenLine xmlns="" xmlns:a14="http://schemas.microsoft.com/office/drawing/2010/main" w="9525">
                   <a:solidFill>
                     <a:srgbClr val="000000"/>
                   </a:solidFill>
@@ -761,7 +761,7 @@
             </a:ln>
             <a:extLst>
               <a:ext uri="{91240B29-F687-4f45-9708-019B960494DF}">
-                <a14:hiddenLine xmlns:a14="http://schemas.microsoft.com/office/drawing/2010/main" xmlns="" w="9525">
+                <a14:hiddenLine xmlns="" xmlns:a14="http://schemas.microsoft.com/office/drawing/2010/main" w="9525">
                   <a:solidFill>
                     <a:srgbClr val="000000"/>
                   </a:solidFill>
@@ -823,7 +823,7 @@
             </a:ln>
             <a:extLst>
               <a:ext uri="{91240B29-F687-4f45-9708-019B960494DF}">
-                <a14:hiddenLine xmlns:a14="http://schemas.microsoft.com/office/drawing/2010/main" xmlns="" w="9525">
+                <a14:hiddenLine xmlns="" xmlns:a14="http://schemas.microsoft.com/office/drawing/2010/main" w="9525">
                   <a:solidFill>
                     <a:srgbClr val="000000"/>
                   </a:solidFill>
@@ -885,7 +885,7 @@
             </a:ln>
             <a:extLst>
               <a:ext uri="{91240B29-F687-4f45-9708-019B960494DF}">
-                <a14:hiddenLine xmlns:a14="http://schemas.microsoft.com/office/drawing/2010/main" xmlns="" w="9525">
+                <a14:hiddenLine xmlns="" xmlns:a14="http://schemas.microsoft.com/office/drawing/2010/main" w="9525">
                   <a:solidFill>
                     <a:srgbClr val="000000"/>
                   </a:solidFill>
@@ -975,7 +975,7 @@
             </a:ln>
             <a:extLst>
               <a:ext uri="{91240B29-F687-4f45-9708-019B960494DF}">
-                <a14:hiddenLine xmlns:a14="http://schemas.microsoft.com/office/drawing/2010/main" xmlns="" w="9525">
+                <a14:hiddenLine xmlns="" xmlns:a14="http://schemas.microsoft.com/office/drawing/2010/main" w="9525">
                   <a:solidFill>
                     <a:srgbClr val="000000"/>
                   </a:solidFill>
@@ -1065,7 +1065,7 @@
             </a:ln>
             <a:extLst>
               <a:ext uri="{91240B29-F687-4f45-9708-019B960494DF}">
-                <a14:hiddenLine xmlns:a14="http://schemas.microsoft.com/office/drawing/2010/main" xmlns="" w="9525">
+                <a14:hiddenLine xmlns="" xmlns:a14="http://schemas.microsoft.com/office/drawing/2010/main" w="9525">
                   <a:solidFill>
                     <a:srgbClr val="000000"/>
                   </a:solidFill>
@@ -1127,7 +1127,7 @@
             </a:ln>
             <a:extLst>
               <a:ext uri="{91240B29-F687-4f45-9708-019B960494DF}">
-                <a14:hiddenLine xmlns:a14="http://schemas.microsoft.com/office/drawing/2010/main" xmlns="" w="9525">
+                <a14:hiddenLine xmlns="" xmlns:a14="http://schemas.microsoft.com/office/drawing/2010/main" w="9525">
                   <a:solidFill>
                     <a:srgbClr val="000000"/>
                   </a:solidFill>
@@ -1237,7 +1237,7 @@
             </a:ln>
             <a:extLst>
               <a:ext uri="{91240B29-F687-4f45-9708-019B960494DF}">
-                <a14:hiddenLine xmlns:a14="http://schemas.microsoft.com/office/drawing/2010/main" xmlns="" w="9525">
+                <a14:hiddenLine xmlns="" xmlns:a14="http://schemas.microsoft.com/office/drawing/2010/main" w="9525">
                   <a:solidFill>
                     <a:srgbClr val="000000"/>
                   </a:solidFill>
@@ -1299,7 +1299,7 @@
             </a:ln>
             <a:extLst>
               <a:ext uri="{91240B29-F687-4f45-9708-019B960494DF}">
-                <a14:hiddenLine xmlns:a14="http://schemas.microsoft.com/office/drawing/2010/main" xmlns="" w="9525">
+                <a14:hiddenLine xmlns="" xmlns:a14="http://schemas.microsoft.com/office/drawing/2010/main" w="9525">
                   <a:solidFill>
                     <a:srgbClr val="000000"/>
                   </a:solidFill>
@@ -1389,7 +1389,7 @@
             </a:ln>
             <a:extLst>
               <a:ext uri="{91240B29-F687-4f45-9708-019B960494DF}">
-                <a14:hiddenLine xmlns:a14="http://schemas.microsoft.com/office/drawing/2010/main" xmlns="" w="9525">
+                <a14:hiddenLine xmlns="" xmlns:a14="http://schemas.microsoft.com/office/drawing/2010/main" w="9525">
                   <a:solidFill>
                     <a:srgbClr val="000000"/>
                   </a:solidFill>
@@ -1479,7 +1479,7 @@
             </a:ln>
             <a:extLst>
               <a:ext uri="{91240B29-F687-4f45-9708-019B960494DF}">
-                <a14:hiddenLine xmlns:a14="http://schemas.microsoft.com/office/drawing/2010/main" xmlns="" w="9525">
+                <a14:hiddenLine xmlns="" xmlns:a14="http://schemas.microsoft.com/office/drawing/2010/main" w="9525">
                   <a:solidFill>
                     <a:srgbClr val="000000"/>
                   </a:solidFill>
@@ -1541,7 +1541,7 @@
             </a:ln>
             <a:extLst>
               <a:ext uri="{91240B29-F687-4f45-9708-019B960494DF}">
-                <a14:hiddenLine xmlns:a14="http://schemas.microsoft.com/office/drawing/2010/main" xmlns="" w="9525">
+                <a14:hiddenLine xmlns="" xmlns:a14="http://schemas.microsoft.com/office/drawing/2010/main" w="9525">
                   <a:solidFill>
                     <a:srgbClr val="000000"/>
                   </a:solidFill>
@@ -1631,7 +1631,7 @@
             </a:ln>
             <a:extLst>
               <a:ext uri="{91240B29-F687-4f45-9708-019B960494DF}">
-                <a14:hiddenLine xmlns:a14="http://schemas.microsoft.com/office/drawing/2010/main" xmlns="" w="9525">
+                <a14:hiddenLine xmlns="" xmlns:a14="http://schemas.microsoft.com/office/drawing/2010/main" w="9525">
                   <a:solidFill>
                     <a:srgbClr val="000000"/>
                   </a:solidFill>
@@ -1721,7 +1721,7 @@
             </a:ln>
             <a:extLst>
               <a:ext uri="{91240B29-F687-4f45-9708-019B960494DF}">
-                <a14:hiddenLine xmlns:a14="http://schemas.microsoft.com/office/drawing/2010/main" xmlns="" w="9525">
+                <a14:hiddenLine xmlns="" xmlns:a14="http://schemas.microsoft.com/office/drawing/2010/main" w="9525">
                   <a:solidFill>
                     <a:srgbClr val="000000"/>
                   </a:solidFill>
@@ -1777,7 +1777,7 @@
             </a:ln>
             <a:extLst>
               <a:ext uri="{91240B29-F687-4f45-9708-019B960494DF}">
-                <a14:hiddenLine xmlns:a14="http://schemas.microsoft.com/office/drawing/2010/main" xmlns="" w="9525">
+                <a14:hiddenLine xmlns="" xmlns:a14="http://schemas.microsoft.com/office/drawing/2010/main" w="9525">
                   <a:solidFill>
                     <a:srgbClr val="000000"/>
                   </a:solidFill>
@@ -1867,7 +1867,7 @@
             </a:ln>
             <a:extLst>
               <a:ext uri="{91240B29-F687-4f45-9708-019B960494DF}">
-                <a14:hiddenLine xmlns:a14="http://schemas.microsoft.com/office/drawing/2010/main" xmlns="" w="9525">
+                <a14:hiddenLine xmlns="" xmlns:a14="http://schemas.microsoft.com/office/drawing/2010/main" w="9525">
                   <a:solidFill>
                     <a:srgbClr val="000000"/>
                   </a:solidFill>
@@ -1923,7 +1923,7 @@
             </a:ln>
             <a:extLst>
               <a:ext uri="{91240B29-F687-4f45-9708-019B960494DF}">
-                <a14:hiddenLine xmlns:a14="http://schemas.microsoft.com/office/drawing/2010/main" xmlns="" w="9525">
+                <a14:hiddenLine xmlns="" xmlns:a14="http://schemas.microsoft.com/office/drawing/2010/main" w="9525">
                   <a:solidFill>
                     <a:srgbClr val="000000"/>
                   </a:solidFill>
@@ -2013,7 +2013,7 @@
             </a:ln>
             <a:extLst>
               <a:ext uri="{91240B29-F687-4f45-9708-019B960494DF}">
-                <a14:hiddenLine xmlns:a14="http://schemas.microsoft.com/office/drawing/2010/main" xmlns="" w="9525">
+                <a14:hiddenLine xmlns="" xmlns:a14="http://schemas.microsoft.com/office/drawing/2010/main" w="9525">
                   <a:solidFill>
                     <a:srgbClr val="000000"/>
                   </a:solidFill>
@@ -2081,7 +2081,7 @@
             </a:ln>
             <a:extLst>
               <a:ext uri="{91240B29-F687-4f45-9708-019B960494DF}">
-                <a14:hiddenLine xmlns:a14="http://schemas.microsoft.com/office/drawing/2010/main" xmlns="" w="9525">
+                <a14:hiddenLine xmlns="" xmlns:a14="http://schemas.microsoft.com/office/drawing/2010/main" w="9525">
                   <a:solidFill>
                     <a:srgbClr val="000000"/>
                   </a:solidFill>
@@ -2171,7 +2171,7 @@
             </a:ln>
             <a:extLst>
               <a:ext uri="{91240B29-F687-4f45-9708-019B960494DF}">
-                <a14:hiddenLine xmlns:a14="http://schemas.microsoft.com/office/drawing/2010/main" xmlns="" w="9525">
+                <a14:hiddenLine xmlns="" xmlns:a14="http://schemas.microsoft.com/office/drawing/2010/main" w="9525">
                   <a:solidFill>
                     <a:srgbClr val="000000"/>
                   </a:solidFill>
@@ -2239,7 +2239,7 @@
             </a:ln>
             <a:extLst>
               <a:ext uri="{91240B29-F687-4f45-9708-019B960494DF}">
-                <a14:hiddenLine xmlns:a14="http://schemas.microsoft.com/office/drawing/2010/main" xmlns="" w="9525">
+                <a14:hiddenLine xmlns="" xmlns:a14="http://schemas.microsoft.com/office/drawing/2010/main" w="9525">
                   <a:solidFill>
                     <a:srgbClr val="000000"/>
                   </a:solidFill>
@@ -2329,7 +2329,7 @@
             </a:ln>
             <a:extLst>
               <a:ext uri="{91240B29-F687-4f45-9708-019B960494DF}">
-                <a14:hiddenLine xmlns:a14="http://schemas.microsoft.com/office/drawing/2010/main" xmlns="" w="9525">
+                <a14:hiddenLine xmlns="" xmlns:a14="http://schemas.microsoft.com/office/drawing/2010/main" w="9525">
                   <a:solidFill>
                     <a:srgbClr val="000000"/>
                   </a:solidFill>
@@ -2363,7 +2363,7 @@
             </a:ln>
             <a:extLst>
               <a:ext uri="{91240B29-F687-4f45-9708-019B960494DF}">
-                <a14:hiddenLine xmlns:a14="http://schemas.microsoft.com/office/drawing/2010/main" xmlns="" w="9525">
+                <a14:hiddenLine xmlns="" xmlns:a14="http://schemas.microsoft.com/office/drawing/2010/main" w="9525">
                   <a:solidFill>
                     <a:srgbClr val="000000"/>
                   </a:solidFill>
@@ -2453,7 +2453,7 @@
             </a:ln>
             <a:extLst>
               <a:ext uri="{91240B29-F687-4f45-9708-019B960494DF}">
-                <a14:hiddenLine xmlns:a14="http://schemas.microsoft.com/office/drawing/2010/main" xmlns="" w="9525">
+                <a14:hiddenLine xmlns="" xmlns:a14="http://schemas.microsoft.com/office/drawing/2010/main" w="9525">
                   <a:solidFill>
                     <a:srgbClr val="000000"/>
                   </a:solidFill>
@@ -2515,7 +2515,7 @@
             </a:ln>
             <a:extLst>
               <a:ext uri="{91240B29-F687-4f45-9708-019B960494DF}">
-                <a14:hiddenLine xmlns:a14="http://schemas.microsoft.com/office/drawing/2010/main" xmlns="" w="9525">
+                <a14:hiddenLine xmlns="" xmlns:a14="http://schemas.microsoft.com/office/drawing/2010/main" w="9525">
                   <a:solidFill>
                     <a:srgbClr val="000000"/>
                   </a:solidFill>
@@ -2577,7 +2577,7 @@
             </a:ln>
             <a:extLst>
               <a:ext uri="{91240B29-F687-4f45-9708-019B960494DF}">
-                <a14:hiddenLine xmlns:a14="http://schemas.microsoft.com/office/drawing/2010/main" xmlns="" w="9525">
+                <a14:hiddenLine xmlns="" xmlns:a14="http://schemas.microsoft.com/office/drawing/2010/main" w="9525">
                   <a:solidFill>
                     <a:srgbClr val="000000"/>
                   </a:solidFill>
@@ -2667,7 +2667,7 @@
             </a:ln>
             <a:extLst>
               <a:ext uri="{91240B29-F687-4f45-9708-019B960494DF}">
-                <a14:hiddenLine xmlns:a14="http://schemas.microsoft.com/office/drawing/2010/main" xmlns="" w="9525">
+                <a14:hiddenLine xmlns="" xmlns:a14="http://schemas.microsoft.com/office/drawing/2010/main" w="9525">
                   <a:solidFill>
                     <a:srgbClr val="000000"/>
                   </a:solidFill>
@@ -2735,7 +2735,7 @@
             </a:ln>
             <a:extLst>
               <a:ext uri="{91240B29-F687-4f45-9708-019B960494DF}">
-                <a14:hiddenLine xmlns:a14="http://schemas.microsoft.com/office/drawing/2010/main" xmlns="" w="9525">
+                <a14:hiddenLine xmlns="" xmlns:a14="http://schemas.microsoft.com/office/drawing/2010/main" w="9525">
                   <a:solidFill>
                     <a:srgbClr val="000000"/>
                   </a:solidFill>
@@ -2797,7 +2797,7 @@
             </a:ln>
             <a:extLst>
               <a:ext uri="{91240B29-F687-4f45-9708-019B960494DF}">
-                <a14:hiddenLine xmlns:a14="http://schemas.microsoft.com/office/drawing/2010/main" xmlns="" w="9525">
+                <a14:hiddenLine xmlns="" xmlns:a14="http://schemas.microsoft.com/office/drawing/2010/main" w="9525">
                   <a:solidFill>
                     <a:srgbClr val="000000"/>
                   </a:solidFill>
@@ -2887,7 +2887,7 @@
             </a:ln>
             <a:extLst>
               <a:ext uri="{91240B29-F687-4f45-9708-019B960494DF}">
-                <a14:hiddenLine xmlns:a14="http://schemas.microsoft.com/office/drawing/2010/main" xmlns="" w="9525">
+                <a14:hiddenLine xmlns="" xmlns:a14="http://schemas.microsoft.com/office/drawing/2010/main" w="9525">
                   <a:solidFill>
                     <a:srgbClr val="000000"/>
                   </a:solidFill>
@@ -2949,7 +2949,7 @@
             </a:ln>
             <a:extLst>
               <a:ext uri="{91240B29-F687-4f45-9708-019B960494DF}">
-                <a14:hiddenLine xmlns:a14="http://schemas.microsoft.com/office/drawing/2010/main" xmlns="" w="9525">
+                <a14:hiddenLine xmlns="" xmlns:a14="http://schemas.microsoft.com/office/drawing/2010/main" w="9525">
                   <a:solidFill>
                     <a:srgbClr val="000000"/>
                   </a:solidFill>
@@ -3039,7 +3039,7 @@
             </a:ln>
             <a:extLst>
               <a:ext uri="{91240B29-F687-4f45-9708-019B960494DF}">
-                <a14:hiddenLine xmlns:a14="http://schemas.microsoft.com/office/drawing/2010/main" xmlns="" w="9525">
+                <a14:hiddenLine xmlns="" xmlns:a14="http://schemas.microsoft.com/office/drawing/2010/main" w="9525">
                   <a:solidFill>
                     <a:srgbClr val="000000"/>
                   </a:solidFill>
@@ -3101,7 +3101,7 @@
             </a:ln>
             <a:extLst>
               <a:ext uri="{91240B29-F687-4f45-9708-019B960494DF}">
-                <a14:hiddenLine xmlns:a14="http://schemas.microsoft.com/office/drawing/2010/main" xmlns="" w="9525">
+                <a14:hiddenLine xmlns="" xmlns:a14="http://schemas.microsoft.com/office/drawing/2010/main" w="9525">
                   <a:solidFill>
                     <a:srgbClr val="000000"/>
                   </a:solidFill>
@@ -3191,7 +3191,7 @@
             </a:ln>
             <a:extLst>
               <a:ext uri="{91240B29-F687-4f45-9708-019B960494DF}">
-                <a14:hiddenLine xmlns:a14="http://schemas.microsoft.com/office/drawing/2010/main" xmlns="" w="9525">
+                <a14:hiddenLine xmlns="" xmlns:a14="http://schemas.microsoft.com/office/drawing/2010/main" w="9525">
                   <a:solidFill>
                     <a:srgbClr val="000000"/>
                   </a:solidFill>
@@ -3225,7 +3225,7 @@
             </a:ln>
             <a:extLst>
               <a:ext uri="{91240B29-F687-4f45-9708-019B960494DF}">
-                <a14:hiddenLine xmlns:a14="http://schemas.microsoft.com/office/drawing/2010/main" xmlns="" w="9525">
+                <a14:hiddenLine xmlns="" xmlns:a14="http://schemas.microsoft.com/office/drawing/2010/main" w="9525">
                   <a:solidFill>
                     <a:srgbClr val="000000"/>
                   </a:solidFill>
@@ -3290,7 +3290,7 @@
             </a:ln>
             <a:extLst>
               <a:ext uri="{91240B29-F687-4f45-9708-019B960494DF}">
-                <a14:hiddenLine xmlns:a14="http://schemas.microsoft.com/office/drawing/2010/main" xmlns="" w="9525">
+                <a14:hiddenLine xmlns="" xmlns:a14="http://schemas.microsoft.com/office/drawing/2010/main" w="9525">
                   <a:solidFill>
                     <a:srgbClr val="000000"/>
                   </a:solidFill>
@@ -3380,7 +3380,7 @@
             </a:ln>
             <a:extLst>
               <a:ext uri="{91240B29-F687-4f45-9708-019B960494DF}">
-                <a14:hiddenLine xmlns:a14="http://schemas.microsoft.com/office/drawing/2010/main" xmlns="" w="9525">
+                <a14:hiddenLine xmlns="" xmlns:a14="http://schemas.microsoft.com/office/drawing/2010/main" w="9525">
                   <a:solidFill>
                     <a:srgbClr val="000000"/>
                   </a:solidFill>
@@ -3442,7 +3442,7 @@
             </a:ln>
             <a:extLst>
               <a:ext uri="{91240B29-F687-4f45-9708-019B960494DF}">
-                <a14:hiddenLine xmlns:a14="http://schemas.microsoft.com/office/drawing/2010/main" xmlns="" w="9525">
+                <a14:hiddenLine xmlns="" xmlns:a14="http://schemas.microsoft.com/office/drawing/2010/main" w="9525">
                   <a:solidFill>
                     <a:srgbClr val="000000"/>
                   </a:solidFill>
@@ -3532,7 +3532,7 @@
             </a:ln>
             <a:extLst>
               <a:ext uri="{91240B29-F687-4f45-9708-019B960494DF}">
-                <a14:hiddenLine xmlns:a14="http://schemas.microsoft.com/office/drawing/2010/main" xmlns="" w="9525">
+                <a14:hiddenLine xmlns="" xmlns:a14="http://schemas.microsoft.com/office/drawing/2010/main" w="9525">
                   <a:solidFill>
                     <a:srgbClr val="000000"/>
                   </a:solidFill>
@@ -3622,7 +3622,7 @@
             </a:ln>
             <a:extLst>
               <a:ext uri="{91240B29-F687-4f45-9708-019B960494DF}">
-                <a14:hiddenLine xmlns:a14="http://schemas.microsoft.com/office/drawing/2010/main" xmlns="" w="9525">
+                <a14:hiddenLine xmlns="" xmlns:a14="http://schemas.microsoft.com/office/drawing/2010/main" w="9525">
                   <a:solidFill>
                     <a:srgbClr val="000000"/>
                   </a:solidFill>
@@ -3687,7 +3687,7 @@
             </a:ln>
             <a:extLst>
               <a:ext uri="{91240B29-F687-4f45-9708-019B960494DF}">
-                <a14:hiddenLine xmlns:a14="http://schemas.microsoft.com/office/drawing/2010/main" xmlns="" w="9525">
+                <a14:hiddenLine xmlns="" xmlns:a14="http://schemas.microsoft.com/office/drawing/2010/main" w="9525">
                   <a:solidFill>
                     <a:srgbClr val="000000"/>
                   </a:solidFill>
@@ -3749,7 +3749,7 @@
             </a:ln>
             <a:extLst>
               <a:ext uri="{91240B29-F687-4f45-9708-019B960494DF}">
-                <a14:hiddenLine xmlns:a14="http://schemas.microsoft.com/office/drawing/2010/main" xmlns="" w="9525">
+                <a14:hiddenLine xmlns="" xmlns:a14="http://schemas.microsoft.com/office/drawing/2010/main" w="9525">
                   <a:solidFill>
                     <a:srgbClr val="000000"/>
                   </a:solidFill>
@@ -3839,7 +3839,7 @@
             </a:ln>
             <a:extLst>
               <a:ext uri="{91240B29-F687-4f45-9708-019B960494DF}">
-                <a14:hiddenLine xmlns:a14="http://schemas.microsoft.com/office/drawing/2010/main" xmlns="" w="9525">
+                <a14:hiddenLine xmlns="" xmlns:a14="http://schemas.microsoft.com/office/drawing/2010/main" w="9525">
                   <a:solidFill>
                     <a:srgbClr val="000000"/>
                   </a:solidFill>
@@ -3929,7 +3929,7 @@
             </a:ln>
             <a:extLst>
               <a:ext uri="{91240B29-F687-4f45-9708-019B960494DF}">
-                <a14:hiddenLine xmlns:a14="http://schemas.microsoft.com/office/drawing/2010/main" xmlns="" w="9525">
+                <a14:hiddenLine xmlns="" xmlns:a14="http://schemas.microsoft.com/office/drawing/2010/main" w="9525">
                   <a:solidFill>
                     <a:srgbClr val="000000"/>
                   </a:solidFill>
@@ -3991,7 +3991,7 @@
             </a:ln>
             <a:extLst>
               <a:ext uri="{91240B29-F687-4f45-9708-019B960494DF}">
-                <a14:hiddenLine xmlns:a14="http://schemas.microsoft.com/office/drawing/2010/main" xmlns="" w="9525">
+                <a14:hiddenLine xmlns="" xmlns:a14="http://schemas.microsoft.com/office/drawing/2010/main" w="9525">
                   <a:solidFill>
                     <a:srgbClr val="000000"/>
                   </a:solidFill>
@@ -4111,7 +4111,7 @@
             </a:ln>
             <a:extLst>
               <a:ext uri="{91240B29-F687-4f45-9708-019B960494DF}">
-                <a14:hiddenLine xmlns:a14="http://schemas.microsoft.com/office/drawing/2010/main" xmlns="" w="9525">
+                <a14:hiddenLine xmlns="" xmlns:a14="http://schemas.microsoft.com/office/drawing/2010/main" w="9525">
                   <a:solidFill>
                     <a:srgbClr val="000000"/>
                   </a:solidFill>
@@ -4179,7 +4179,7 @@
             </a:ln>
             <a:extLst>
               <a:ext uri="{91240B29-F687-4f45-9708-019B960494DF}">
-                <a14:hiddenLine xmlns:a14="http://schemas.microsoft.com/office/drawing/2010/main" xmlns="" w="9525">
+                <a14:hiddenLine xmlns="" xmlns:a14="http://schemas.microsoft.com/office/drawing/2010/main" w="9525">
                   <a:solidFill>
                     <a:srgbClr val="000000"/>
                   </a:solidFill>
@@ -4269,7 +4269,7 @@
             </a:ln>
             <a:extLst>
               <a:ext uri="{91240B29-F687-4f45-9708-019B960494DF}">
-                <a14:hiddenLine xmlns:a14="http://schemas.microsoft.com/office/drawing/2010/main" xmlns="" w="9525">
+                <a14:hiddenLine xmlns="" xmlns:a14="http://schemas.microsoft.com/office/drawing/2010/main" w="9525">
                   <a:solidFill>
                     <a:srgbClr val="000000"/>
                   </a:solidFill>
@@ -8998,7 +8998,7 @@
           <a:noFill/>
           <a:extLst>
             <a:ext uri="{909E8E84-426E-40dd-AFC4-6F175D3DCCD1}">
-              <a14:hiddenFill xmlns:a14="http://schemas.microsoft.com/office/drawing/2010/main" xmlns="">
+              <a14:hiddenFill xmlns="" xmlns:a14="http://schemas.microsoft.com/office/drawing/2010/main">
                 <a:solidFill>
                   <a:srgbClr val="FFFFFF"/>
                 </a:solidFill>
@@ -9072,7 +9072,7 @@
               </a:ln>
               <a:extLst>
                 <a:ext uri="{91240B29-F687-4f45-9708-019B960494DF}">
-                  <a14:hiddenLine xmlns:a14="http://schemas.microsoft.com/office/drawing/2010/main" xmlns="" w="9525">
+                  <a14:hiddenLine xmlns="" xmlns:a14="http://schemas.microsoft.com/office/drawing/2010/main" w="9525">
                     <a:solidFill>
                       <a:srgbClr val="000000"/>
                     </a:solidFill>
@@ -9162,7 +9162,7 @@
               </a:ln>
               <a:extLst>
                 <a:ext uri="{91240B29-F687-4f45-9708-019B960494DF}">
-                  <a14:hiddenLine xmlns:a14="http://schemas.microsoft.com/office/drawing/2010/main" xmlns="" w="9525">
+                  <a14:hiddenLine xmlns="" xmlns:a14="http://schemas.microsoft.com/office/drawing/2010/main" w="9525">
                     <a:solidFill>
                       <a:srgbClr val="000000"/>
                     </a:solidFill>
@@ -9252,7 +9252,7 @@
               </a:ln>
               <a:extLst>
                 <a:ext uri="{91240B29-F687-4f45-9708-019B960494DF}">
-                  <a14:hiddenLine xmlns:a14="http://schemas.microsoft.com/office/drawing/2010/main" xmlns="" w="9525">
+                  <a14:hiddenLine xmlns="" xmlns:a14="http://schemas.microsoft.com/office/drawing/2010/main" w="9525">
                     <a:solidFill>
                       <a:srgbClr val="000000"/>
                     </a:solidFill>
@@ -9314,7 +9314,7 @@
               </a:ln>
               <a:extLst>
                 <a:ext uri="{91240B29-F687-4f45-9708-019B960494DF}">
-                  <a14:hiddenLine xmlns:a14="http://schemas.microsoft.com/office/drawing/2010/main" xmlns="" w="9525">
+                  <a14:hiddenLine xmlns="" xmlns:a14="http://schemas.microsoft.com/office/drawing/2010/main" w="9525">
                     <a:solidFill>
                       <a:srgbClr val="000000"/>
                     </a:solidFill>
@@ -9404,7 +9404,7 @@
               </a:ln>
               <a:extLst>
                 <a:ext uri="{91240B29-F687-4f45-9708-019B960494DF}">
-                  <a14:hiddenLine xmlns:a14="http://schemas.microsoft.com/office/drawing/2010/main" xmlns="" w="9525">
+                  <a14:hiddenLine xmlns="" xmlns:a14="http://schemas.microsoft.com/office/drawing/2010/main" w="9525">
                     <a:solidFill>
                       <a:srgbClr val="000000"/>
                     </a:solidFill>
@@ -9466,7 +9466,7 @@
               </a:ln>
               <a:extLst>
                 <a:ext uri="{91240B29-F687-4f45-9708-019B960494DF}">
-                  <a14:hiddenLine xmlns:a14="http://schemas.microsoft.com/office/drawing/2010/main" xmlns="" w="9525">
+                  <a14:hiddenLine xmlns="" xmlns:a14="http://schemas.microsoft.com/office/drawing/2010/main" w="9525">
                     <a:solidFill>
                       <a:srgbClr val="000000"/>
                     </a:solidFill>
@@ -9528,7 +9528,7 @@
               </a:ln>
               <a:extLst>
                 <a:ext uri="{91240B29-F687-4f45-9708-019B960494DF}">
-                  <a14:hiddenLine xmlns:a14="http://schemas.microsoft.com/office/drawing/2010/main" xmlns="" w="9525">
+                  <a14:hiddenLine xmlns="" xmlns:a14="http://schemas.microsoft.com/office/drawing/2010/main" w="9525">
                     <a:solidFill>
                       <a:srgbClr val="000000"/>
                     </a:solidFill>
@@ -9618,7 +9618,7 @@
               </a:ln>
               <a:extLst>
                 <a:ext uri="{91240B29-F687-4f45-9708-019B960494DF}">
-                  <a14:hiddenLine xmlns:a14="http://schemas.microsoft.com/office/drawing/2010/main" xmlns="" w="9525">
+                  <a14:hiddenLine xmlns="" xmlns:a14="http://schemas.microsoft.com/office/drawing/2010/main" w="9525">
                     <a:solidFill>
                       <a:srgbClr val="000000"/>
                     </a:solidFill>
@@ -9708,7 +9708,7 @@
               </a:ln>
               <a:extLst>
                 <a:ext uri="{91240B29-F687-4f45-9708-019B960494DF}">
-                  <a14:hiddenLine xmlns:a14="http://schemas.microsoft.com/office/drawing/2010/main" xmlns="" w="9525">
+                  <a14:hiddenLine xmlns="" xmlns:a14="http://schemas.microsoft.com/office/drawing/2010/main" w="9525">
                     <a:solidFill>
                       <a:srgbClr val="000000"/>
                     </a:solidFill>
@@ -9770,7 +9770,7 @@
               </a:ln>
               <a:extLst>
                 <a:ext uri="{91240B29-F687-4f45-9708-019B960494DF}">
-                  <a14:hiddenLine xmlns:a14="http://schemas.microsoft.com/office/drawing/2010/main" xmlns="" w="9525">
+                  <a14:hiddenLine xmlns="" xmlns:a14="http://schemas.microsoft.com/office/drawing/2010/main" w="9525">
                     <a:solidFill>
                       <a:srgbClr val="000000"/>
                     </a:solidFill>
@@ -9880,7 +9880,7 @@
               </a:ln>
               <a:extLst>
                 <a:ext uri="{91240B29-F687-4f45-9708-019B960494DF}">
-                  <a14:hiddenLine xmlns:a14="http://schemas.microsoft.com/office/drawing/2010/main" xmlns="" w="9525">
+                  <a14:hiddenLine xmlns="" xmlns:a14="http://schemas.microsoft.com/office/drawing/2010/main" w="9525">
                     <a:solidFill>
                       <a:srgbClr val="000000"/>
                     </a:solidFill>
@@ -9964,7 +9964,7 @@
               </a:ln>
               <a:extLst>
                 <a:ext uri="{91240B29-F687-4f45-9708-019B960494DF}">
-                  <a14:hiddenLine xmlns:a14="http://schemas.microsoft.com/office/drawing/2010/main" xmlns="" w="9525">
+                  <a14:hiddenLine xmlns="" xmlns:a14="http://schemas.microsoft.com/office/drawing/2010/main" w="9525">
                     <a:solidFill>
                       <a:srgbClr val="000000"/>
                     </a:solidFill>
@@ -10026,7 +10026,7 @@
               </a:ln>
               <a:extLst>
                 <a:ext uri="{91240B29-F687-4f45-9708-019B960494DF}">
-                  <a14:hiddenLine xmlns:a14="http://schemas.microsoft.com/office/drawing/2010/main" xmlns="" w="9525">
+                  <a14:hiddenLine xmlns="" xmlns:a14="http://schemas.microsoft.com/office/drawing/2010/main" w="9525">
                     <a:solidFill>
                       <a:srgbClr val="000000"/>
                     </a:solidFill>
@@ -10088,7 +10088,7 @@
               </a:ln>
               <a:extLst>
                 <a:ext uri="{91240B29-F687-4f45-9708-019B960494DF}">
-                  <a14:hiddenLine xmlns:a14="http://schemas.microsoft.com/office/drawing/2010/main" xmlns="" w="9525">
+                  <a14:hiddenLine xmlns="" xmlns:a14="http://schemas.microsoft.com/office/drawing/2010/main" w="9525">
                     <a:solidFill>
                       <a:srgbClr val="000000"/>
                     </a:solidFill>
@@ -10178,7 +10178,7 @@
               </a:ln>
               <a:extLst>
                 <a:ext uri="{91240B29-F687-4f45-9708-019B960494DF}">
-                  <a14:hiddenLine xmlns:a14="http://schemas.microsoft.com/office/drawing/2010/main" xmlns="" w="9525">
+                  <a14:hiddenLine xmlns="" xmlns:a14="http://schemas.microsoft.com/office/drawing/2010/main" w="9525">
                     <a:solidFill>
                       <a:srgbClr val="000000"/>
                     </a:solidFill>
@@ -10212,7 +10212,7 @@
               </a:ln>
               <a:extLst>
                 <a:ext uri="{91240B29-F687-4f45-9708-019B960494DF}">
-                  <a14:hiddenLine xmlns:a14="http://schemas.microsoft.com/office/drawing/2010/main" xmlns="" w="9525">
+                  <a14:hiddenLine xmlns="" xmlns:a14="http://schemas.microsoft.com/office/drawing/2010/main" w="9525">
                     <a:solidFill>
                       <a:srgbClr val="000000"/>
                     </a:solidFill>
@@ -10277,7 +10277,7 @@
               </a:ln>
               <a:extLst>
                 <a:ext uri="{91240B29-F687-4f45-9708-019B960494DF}">
-                  <a14:hiddenLine xmlns:a14="http://schemas.microsoft.com/office/drawing/2010/main" xmlns="" w="9525">
+                  <a14:hiddenLine xmlns="" xmlns:a14="http://schemas.microsoft.com/office/drawing/2010/main" w="9525">
                     <a:solidFill>
                       <a:srgbClr val="000000"/>
                     </a:solidFill>
@@ -10367,7 +10367,7 @@
               </a:ln>
               <a:extLst>
                 <a:ext uri="{91240B29-F687-4f45-9708-019B960494DF}">
-                  <a14:hiddenLine xmlns:a14="http://schemas.microsoft.com/office/drawing/2010/main" xmlns="" w="9525">
+                  <a14:hiddenLine xmlns="" xmlns:a14="http://schemas.microsoft.com/office/drawing/2010/main" w="9525">
                     <a:solidFill>
                       <a:srgbClr val="000000"/>
                     </a:solidFill>
@@ -10429,7 +10429,7 @@
               </a:ln>
               <a:extLst>
                 <a:ext uri="{91240B29-F687-4f45-9708-019B960494DF}">
-                  <a14:hiddenLine xmlns:a14="http://schemas.microsoft.com/office/drawing/2010/main" xmlns="" w="9525">
+                  <a14:hiddenLine xmlns="" xmlns:a14="http://schemas.microsoft.com/office/drawing/2010/main" w="9525">
                     <a:solidFill>
                       <a:srgbClr val="000000"/>
                     </a:solidFill>
@@ -10519,7 +10519,7 @@
               </a:ln>
               <a:extLst>
                 <a:ext uri="{91240B29-F687-4f45-9708-019B960494DF}">
-                  <a14:hiddenLine xmlns:a14="http://schemas.microsoft.com/office/drawing/2010/main" xmlns="" w="9525">
+                  <a14:hiddenLine xmlns="" xmlns:a14="http://schemas.microsoft.com/office/drawing/2010/main" w="9525">
                     <a:solidFill>
                       <a:srgbClr val="000000"/>
                     </a:solidFill>
@@ -10584,7 +10584,7 @@
               </a:ln>
               <a:extLst>
                 <a:ext uri="{91240B29-F687-4f45-9708-019B960494DF}">
-                  <a14:hiddenLine xmlns:a14="http://schemas.microsoft.com/office/drawing/2010/main" xmlns="" w="9525">
+                  <a14:hiddenLine xmlns="" xmlns:a14="http://schemas.microsoft.com/office/drawing/2010/main" w="9525">
                     <a:solidFill>
                       <a:srgbClr val="000000"/>
                     </a:solidFill>
@@ -10646,7 +10646,7 @@
               </a:ln>
               <a:extLst>
                 <a:ext uri="{91240B29-F687-4f45-9708-019B960494DF}">
-                  <a14:hiddenLine xmlns:a14="http://schemas.microsoft.com/office/drawing/2010/main" xmlns="" w="9525">
+                  <a14:hiddenLine xmlns="" xmlns:a14="http://schemas.microsoft.com/office/drawing/2010/main" w="9525">
                     <a:solidFill>
                       <a:srgbClr val="000000"/>
                     </a:solidFill>
@@ -10736,7 +10736,7 @@
               </a:ln>
               <a:extLst>
                 <a:ext uri="{91240B29-F687-4f45-9708-019B960494DF}">
-                  <a14:hiddenLine xmlns:a14="http://schemas.microsoft.com/office/drawing/2010/main" xmlns="" w="9525">
+                  <a14:hiddenLine xmlns="" xmlns:a14="http://schemas.microsoft.com/office/drawing/2010/main" w="9525">
                     <a:solidFill>
                       <a:srgbClr val="000000"/>
                     </a:solidFill>
@@ -10826,7 +10826,7 @@
               </a:ln>
               <a:extLst>
                 <a:ext uri="{91240B29-F687-4f45-9708-019B960494DF}">
-                  <a14:hiddenLine xmlns:a14="http://schemas.microsoft.com/office/drawing/2010/main" xmlns="" w="9525">
+                  <a14:hiddenLine xmlns="" xmlns:a14="http://schemas.microsoft.com/office/drawing/2010/main" w="9525">
                     <a:solidFill>
                       <a:srgbClr val="000000"/>
                     </a:solidFill>
@@ -10891,7 +10891,7 @@
               </a:ln>
               <a:extLst>
                 <a:ext uri="{91240B29-F687-4f45-9708-019B960494DF}">
-                  <a14:hiddenLine xmlns:a14="http://schemas.microsoft.com/office/drawing/2010/main" xmlns="" w="9525">
+                  <a14:hiddenLine xmlns="" xmlns:a14="http://schemas.microsoft.com/office/drawing/2010/main" w="9525">
                     <a:solidFill>
                       <a:srgbClr val="000000"/>
                     </a:solidFill>
@@ -11011,7 +11011,7 @@
               </a:ln>
               <a:extLst>
                 <a:ext uri="{91240B29-F687-4f45-9708-019B960494DF}">
-                  <a14:hiddenLine xmlns:a14="http://schemas.microsoft.com/office/drawing/2010/main" xmlns="" w="9525">
+                  <a14:hiddenLine xmlns="" xmlns:a14="http://schemas.microsoft.com/office/drawing/2010/main" w="9525">
                     <a:solidFill>
                       <a:srgbClr val="000000"/>
                     </a:solidFill>
@@ -11092,7 +11092,7 @@
               </a:ln>
               <a:extLst>
                 <a:ext uri="{91240B29-F687-4f45-9708-019B960494DF}">
-                  <a14:hiddenLine xmlns:a14="http://schemas.microsoft.com/office/drawing/2010/main" xmlns="" w="9525">
+                  <a14:hiddenLine xmlns="" xmlns:a14="http://schemas.microsoft.com/office/drawing/2010/main" w="9525">
                     <a:solidFill>
                       <a:srgbClr val="000000"/>
                     </a:solidFill>
@@ -11207,7 +11207,7 @@
               </a:ln>
               <a:extLst>
                 <a:ext uri="{91240B29-F687-4f45-9708-019B960494DF}">
-                  <a14:hiddenLine xmlns:a14="http://schemas.microsoft.com/office/drawing/2010/main" xmlns="" w="9525">
+                  <a14:hiddenLine xmlns="" xmlns:a14="http://schemas.microsoft.com/office/drawing/2010/main" w="9525">
                     <a:solidFill>
                       <a:srgbClr val="000000"/>
                     </a:solidFill>
@@ -11297,7 +11297,7 @@
               </a:ln>
               <a:extLst>
                 <a:ext uri="{91240B29-F687-4f45-9708-019B960494DF}">
-                  <a14:hiddenLine xmlns:a14="http://schemas.microsoft.com/office/drawing/2010/main" xmlns="" w="9525">
+                  <a14:hiddenLine xmlns="" xmlns:a14="http://schemas.microsoft.com/office/drawing/2010/main" w="9525">
                     <a:solidFill>
                       <a:srgbClr val="000000"/>
                     </a:solidFill>
@@ -11362,7 +11362,7 @@
               </a:ln>
               <a:extLst>
                 <a:ext uri="{91240B29-F687-4f45-9708-019B960494DF}">
-                  <a14:hiddenLine xmlns:a14="http://schemas.microsoft.com/office/drawing/2010/main" xmlns="" w="9525">
+                  <a14:hiddenLine xmlns="" xmlns:a14="http://schemas.microsoft.com/office/drawing/2010/main" w="9525">
                     <a:solidFill>
                       <a:srgbClr val="000000"/>
                     </a:solidFill>
@@ -11452,7 +11452,7 @@
               </a:ln>
               <a:extLst>
                 <a:ext uri="{91240B29-F687-4f45-9708-019B960494DF}">
-                  <a14:hiddenLine xmlns:a14="http://schemas.microsoft.com/office/drawing/2010/main" xmlns="" w="9525">
+                  <a14:hiddenLine xmlns="" xmlns:a14="http://schemas.microsoft.com/office/drawing/2010/main" w="9525">
                     <a:solidFill>
                       <a:srgbClr val="000000"/>
                     </a:solidFill>
@@ -11520,7 +11520,7 @@
               </a:ln>
               <a:extLst>
                 <a:ext uri="{91240B29-F687-4f45-9708-019B960494DF}">
-                  <a14:hiddenLine xmlns:a14="http://schemas.microsoft.com/office/drawing/2010/main" xmlns="" w="9525">
+                  <a14:hiddenLine xmlns="" xmlns:a14="http://schemas.microsoft.com/office/drawing/2010/main" w="9525">
                     <a:solidFill>
                       <a:srgbClr val="000000"/>
                     </a:solidFill>
@@ -11610,7 +11610,7 @@
               </a:ln>
               <a:extLst>
                 <a:ext uri="{91240B29-F687-4f45-9708-019B960494DF}">
-                  <a14:hiddenLine xmlns:a14="http://schemas.microsoft.com/office/drawing/2010/main" xmlns="" w="9525">
+                  <a14:hiddenLine xmlns="" xmlns:a14="http://schemas.microsoft.com/office/drawing/2010/main" w="9525">
                     <a:solidFill>
                       <a:srgbClr val="000000"/>
                     </a:solidFill>
@@ -11678,7 +11678,7 @@
               </a:ln>
               <a:extLst>
                 <a:ext uri="{91240B29-F687-4f45-9708-019B960494DF}">
-                  <a14:hiddenLine xmlns:a14="http://schemas.microsoft.com/office/drawing/2010/main" xmlns="" w="9525">
+                  <a14:hiddenLine xmlns="" xmlns:a14="http://schemas.microsoft.com/office/drawing/2010/main" w="9525">
                     <a:solidFill>
                       <a:srgbClr val="000000"/>
                     </a:solidFill>
@@ -11768,7 +11768,7 @@
               </a:ln>
               <a:extLst>
                 <a:ext uri="{91240B29-F687-4f45-9708-019B960494DF}">
-                  <a14:hiddenLine xmlns:a14="http://schemas.microsoft.com/office/drawing/2010/main" xmlns="" w="9525">
+                  <a14:hiddenLine xmlns="" xmlns:a14="http://schemas.microsoft.com/office/drawing/2010/main" w="9525">
                     <a:solidFill>
                       <a:srgbClr val="000000"/>
                     </a:solidFill>
@@ -11802,7 +11802,7 @@
               </a:ln>
               <a:extLst>
                 <a:ext uri="{91240B29-F687-4f45-9708-019B960494DF}">
-                  <a14:hiddenLine xmlns:a14="http://schemas.microsoft.com/office/drawing/2010/main" xmlns="" w="9525">
+                  <a14:hiddenLine xmlns="" xmlns:a14="http://schemas.microsoft.com/office/drawing/2010/main" w="9525">
                     <a:solidFill>
                       <a:srgbClr val="000000"/>
                     </a:solidFill>
@@ -13802,7 +13802,7 @@
           <a:p>
             <a:r>
               <a:rPr lang="en-US" dirty="0"/>
-              <a:t>In this screen the user can send money by using the interact option</a:t>
+              <a:t>In this screen the user can send money by using the interac option</a:t>
             </a:r>
           </a:p>
           <a:p>
